--- a/Daily Agendas/Day05.2_ElectricityCatchUp.pptx
+++ b/Daily Agendas/Day05.2_ElectricityCatchUp.pptx
@@ -303,7 +303,7 @@
             <a:fld id="{1D8BD707-D9CF-40AE-B4C6-C98DA3205C09}" type="datetimeFigureOut">
               <a:rPr lang="en-US" smtClean="0"/>
               <a:pPr/>
-              <a:t>2/27/2020</a:t>
+              <a:t>3/2/2020</a:t>
             </a:fld>
             <a:endParaRPr lang="en-US"/>
           </a:p>
@@ -468,7 +468,7 @@
             <a:fld id="{1D8BD707-D9CF-40AE-B4C6-C98DA3205C09}" type="datetimeFigureOut">
               <a:rPr lang="en-US" smtClean="0"/>
               <a:pPr/>
-              <a:t>2/27/2020</a:t>
+              <a:t>3/2/2020</a:t>
             </a:fld>
             <a:endParaRPr lang="en-US"/>
           </a:p>
@@ -643,7 +643,7 @@
             <a:fld id="{1D8BD707-D9CF-40AE-B4C6-C98DA3205C09}" type="datetimeFigureOut">
               <a:rPr lang="en-US" smtClean="0"/>
               <a:pPr/>
-              <a:t>2/27/2020</a:t>
+              <a:t>3/2/2020</a:t>
             </a:fld>
             <a:endParaRPr lang="en-US"/>
           </a:p>
@@ -808,7 +808,7 @@
             <a:fld id="{1D8BD707-D9CF-40AE-B4C6-C98DA3205C09}" type="datetimeFigureOut">
               <a:rPr lang="en-US" smtClean="0"/>
               <a:pPr/>
-              <a:t>2/27/2020</a:t>
+              <a:t>3/2/2020</a:t>
             </a:fld>
             <a:endParaRPr lang="en-US"/>
           </a:p>
@@ -1050,7 +1050,7 @@
             <a:fld id="{1D8BD707-D9CF-40AE-B4C6-C98DA3205C09}" type="datetimeFigureOut">
               <a:rPr lang="en-US" smtClean="0"/>
               <a:pPr/>
-              <a:t>2/27/2020</a:t>
+              <a:t>3/2/2020</a:t>
             </a:fld>
             <a:endParaRPr lang="en-US"/>
           </a:p>
@@ -1332,7 +1332,7 @@
             <a:fld id="{1D8BD707-D9CF-40AE-B4C6-C98DA3205C09}" type="datetimeFigureOut">
               <a:rPr lang="en-US" smtClean="0"/>
               <a:pPr/>
-              <a:t>2/27/2020</a:t>
+              <a:t>3/2/2020</a:t>
             </a:fld>
             <a:endParaRPr lang="en-US"/>
           </a:p>
@@ -1748,7 +1748,7 @@
             <a:fld id="{1D8BD707-D9CF-40AE-B4C6-C98DA3205C09}" type="datetimeFigureOut">
               <a:rPr lang="en-US" smtClean="0"/>
               <a:pPr/>
-              <a:t>2/27/2020</a:t>
+              <a:t>3/2/2020</a:t>
             </a:fld>
             <a:endParaRPr lang="en-US"/>
           </a:p>
@@ -1862,7 +1862,7 @@
             <a:fld id="{1D8BD707-D9CF-40AE-B4C6-C98DA3205C09}" type="datetimeFigureOut">
               <a:rPr lang="en-US" smtClean="0"/>
               <a:pPr/>
-              <a:t>2/27/2020</a:t>
+              <a:t>3/2/2020</a:t>
             </a:fld>
             <a:endParaRPr lang="en-US"/>
           </a:p>
@@ -1954,7 +1954,7 @@
             <a:fld id="{1D8BD707-D9CF-40AE-B4C6-C98DA3205C09}" type="datetimeFigureOut">
               <a:rPr lang="en-US" smtClean="0"/>
               <a:pPr/>
-              <a:t>2/27/2020</a:t>
+              <a:t>3/2/2020</a:t>
             </a:fld>
             <a:endParaRPr lang="en-US"/>
           </a:p>
@@ -2226,7 +2226,7 @@
             <a:fld id="{1D8BD707-D9CF-40AE-B4C6-C98DA3205C09}" type="datetimeFigureOut">
               <a:rPr lang="en-US" smtClean="0"/>
               <a:pPr/>
-              <a:t>2/27/2020</a:t>
+              <a:t>3/2/2020</a:t>
             </a:fld>
             <a:endParaRPr lang="en-US"/>
           </a:p>
@@ -2475,7 +2475,7 @@
             <a:fld id="{1D8BD707-D9CF-40AE-B4C6-C98DA3205C09}" type="datetimeFigureOut">
               <a:rPr lang="en-US" smtClean="0"/>
               <a:pPr/>
-              <a:t>2/27/2020</a:t>
+              <a:t>3/2/2020</a:t>
             </a:fld>
             <a:endParaRPr lang="en-US"/>
           </a:p>
@@ -2683,7 +2683,7 @@
             <a:fld id="{1D8BD707-D9CF-40AE-B4C6-C98DA3205C09}" type="datetimeFigureOut">
               <a:rPr lang="en-US" smtClean="0"/>
               <a:pPr/>
-              <a:t>2/27/2020</a:t>
+              <a:t>3/2/2020</a:t>
             </a:fld>
             <a:endParaRPr lang="en-US"/>
           </a:p>
@@ -3088,11 +3088,7 @@
             </a:r>
             <a:r>
               <a:rPr lang="en-US" sz="3600" dirty="0" smtClean="0"/>
-              <a:t>10</a:t>
-            </a:r>
-            <a:r>
-              <a:rPr lang="en-US" sz="3600" dirty="0" smtClean="0"/>
-              <a:t>)</a:t>
+              <a:t>10)</a:t>
             </a:r>
             <a:endParaRPr lang="en-US" sz="3600" dirty="0"/>
           </a:p>
@@ -3138,18 +3134,33 @@
             <a:pPr lvl="2"/>
             <a:r>
               <a:rPr lang="en-CA" sz="2200" dirty="0" smtClean="0"/>
-              <a:t>Electric Power</a:t>
+              <a:t>Electric </a:t>
+            </a:r>
+            <a:r>
+              <a:rPr lang="en-CA" sz="2200" dirty="0" smtClean="0"/>
+              <a:t>Power</a:t>
             </a:r>
           </a:p>
           <a:p>
             <a:pPr lvl="1"/>
             <a:r>
               <a:rPr lang="en-CA" sz="2600" dirty="0" smtClean="0"/>
-              <a:t>Catch-</a:t>
-            </a:r>
+              <a:t>Circuit Analysis Practice</a:t>
+            </a:r>
+          </a:p>
+          <a:p>
+            <a:pPr lvl="2"/>
+            <a:r>
+              <a:rPr lang="en-CA" sz="2200" dirty="0" smtClean="0"/>
+              <a:t>Worksheet: Practice Exercises</a:t>
+            </a:r>
+            <a:endParaRPr lang="en-CA" sz="2200" dirty="0" smtClean="0"/>
+          </a:p>
+          <a:p>
+            <a:pPr lvl="1"/>
             <a:r>
               <a:rPr lang="en-CA" sz="2600" dirty="0" smtClean="0"/>
-              <a:t>Up Work</a:t>
+              <a:t>Catch-Up Work</a:t>
             </a:r>
           </a:p>
           <a:p>
@@ -3160,11 +3171,7 @@
             </a:r>
             <a:r>
               <a:rPr lang="en-CA" sz="2200" dirty="0" smtClean="0"/>
-              <a:t> </a:t>
-            </a:r>
-            <a:r>
-              <a:rPr lang="en-CA" sz="2200" dirty="0" smtClean="0"/>
-              <a:t>Circuit Building Activity (Monday)</a:t>
+              <a:t> Circuit Building Activity (Monday)</a:t>
             </a:r>
             <a:endParaRPr lang="en-CA" sz="2200" dirty="0"/>
           </a:p>
@@ -3175,28 +3182,25 @@
             <a:endParaRPr lang="en-CA" dirty="0" smtClean="0"/>
           </a:p>
           <a:p>
-            <a:pPr lvl="1">
-              <a:buNone/>
-            </a:pPr>
-            <a:endParaRPr lang="en-CA" dirty="0"/>
-          </a:p>
-          <a:p>
-            <a:pPr lvl="1">
-              <a:buNone/>
-            </a:pPr>
+            <a:r>
+              <a:rPr lang="en-US" smtClean="0"/>
+              <a:t>Upcoming</a:t>
+            </a:r>
             <a:endParaRPr lang="en-US" dirty="0"/>
           </a:p>
           <a:p>
-            <a:r>
-              <a:rPr lang="en-US" dirty="0"/>
-              <a:t>Upcoming</a:t>
-            </a:r>
-          </a:p>
-          <a:p>
             <a:pPr lvl="1"/>
             <a:r>
               <a:rPr lang="en-US" sz="2400" dirty="0" smtClean="0"/>
-              <a:t>Tomorrow: Electricity Review</a:t>
+              <a:t>Tomorrow: </a:t>
+            </a:r>
+            <a:r>
+              <a:rPr lang="en-US" sz="2400" dirty="0" smtClean="0"/>
+              <a:t>More Electricity </a:t>
+            </a:r>
+            <a:r>
+              <a:rPr lang="en-US" sz="2400" dirty="0" smtClean="0"/>
+              <a:t>Review</a:t>
             </a:r>
           </a:p>
           <a:p>
